--- a/final_project/weather_baloon/Presentation/Weather Baloon.pptx
+++ b/final_project/weather_baloon/Presentation/Weather Baloon.pptx
@@ -5,7 +5,7 @@
     <p:sldMasterId id="2147483849" r:id="rId1"/>
   </p:sldMasterIdLst>
   <p:notesMasterIdLst>
-    <p:notesMasterId r:id="rId13"/>
+    <p:notesMasterId r:id="rId14"/>
   </p:notesMasterIdLst>
   <p:sldIdLst>
     <p:sldId id="256" r:id="rId2"/>
@@ -16,9 +16,10 @@
     <p:sldId id="258" r:id="rId7"/>
     <p:sldId id="260" r:id="rId8"/>
     <p:sldId id="259" r:id="rId9"/>
-    <p:sldId id="261" r:id="rId10"/>
-    <p:sldId id="262" r:id="rId11"/>
-    <p:sldId id="266" r:id="rId12"/>
+    <p:sldId id="267" r:id="rId10"/>
+    <p:sldId id="261" r:id="rId11"/>
+    <p:sldId id="262" r:id="rId12"/>
+    <p:sldId id="266" r:id="rId13"/>
   </p:sldIdLst>
   <p:sldSz cx="9144000" cy="6858000" type="screen4x3"/>
   <p:notesSz cx="6858000" cy="9144000"/>
@@ -1051,7 +1052,7 @@
           <a:p>
             <a:fld id="{6DAF98AE-48F7-484A-B8B4-0508669685CE}" type="slidenum">
               <a:rPr lang="en-US" smtClean="0"/>
-              <a:t>9</a:t>
+              <a:t>10</a:t>
             </a:fld>
             <a:endParaRPr lang="en-US"/>
           </a:p>
@@ -1160,7 +1161,7 @@
           <a:p>
             <a:fld id="{6DAF98AE-48F7-484A-B8B4-0508669685CE}" type="slidenum">
               <a:rPr lang="en-US" smtClean="0"/>
-              <a:t>10</a:t>
+              <a:t>11</a:t>
             </a:fld>
             <a:endParaRPr lang="en-US"/>
           </a:p>
@@ -4282,6 +4283,164 @@
 <file path=ppt/slides/slide10.xml><?xml version="1.0" encoding="utf-8"?>
 <p:sld xmlns:a="http://schemas.openxmlformats.org/drawingml/2006/main" xmlns:r="http://schemas.openxmlformats.org/officeDocument/2006/relationships" xmlns:p="http://schemas.openxmlformats.org/presentationml/2006/main">
   <p:cSld>
+    <p:bg>
+      <p:bgPr>
+        <a:solidFill>
+          <a:schemeClr val="bg1"/>
+        </a:solidFill>
+        <a:effectLst/>
+      </p:bgPr>
+    </p:bg>
+    <p:spTree>
+      <p:nvGrpSpPr>
+        <p:cNvPr id="1" name=""/>
+        <p:cNvGrpSpPr/>
+        <p:nvPr/>
+      </p:nvGrpSpPr>
+      <p:grpSpPr>
+        <a:xfrm>
+          <a:off x="0" y="0"/>
+          <a:ext cx="0" cy="0"/>
+          <a:chOff x="0" y="0"/>
+          <a:chExt cx="0" cy="0"/>
+        </a:xfrm>
+      </p:grpSpPr>
+      <p:sp>
+        <p:nvSpPr>
+          <p:cNvPr id="2" name="Title 1">
+            <a:extLst>
+              <a:ext uri="{FF2B5EF4-FFF2-40B4-BE49-F238E27FC236}">
+                <a16:creationId xmlns:a16="http://schemas.microsoft.com/office/drawing/2014/main" id="{BE44D49C-5109-B629-B00E-D9A87E6FC9A5}"/>
+              </a:ext>
+            </a:extLst>
+          </p:cNvPr>
+          <p:cNvSpPr>
+            <a:spLocks noGrp="1"/>
+          </p:cNvSpPr>
+          <p:nvPr>
+            <p:ph type="title"/>
+          </p:nvPr>
+        </p:nvSpPr>
+        <p:spPr>
+          <a:xfrm>
+            <a:off x="0" y="127101"/>
+            <a:ext cx="4526280" cy="518799"/>
+          </a:xfrm>
+        </p:spPr>
+        <p:txBody>
+          <a:bodyPr anchor="b">
+            <a:normAutofit/>
+          </a:bodyPr>
+          <a:lstStyle/>
+          <a:p>
+            <a:r>
+              <a:rPr lang="en-US" sz="3000" b="1" dirty="0">
+                <a:latin typeface="Calibri" panose="020F0502020204030204" pitchFamily="34" charset="0"/>
+                <a:ea typeface="Calibri" panose="020F0502020204030204" pitchFamily="34" charset="0"/>
+                <a:cs typeface="Calibri" panose="020F0502020204030204" pitchFamily="34" charset="0"/>
+              </a:rPr>
+              <a:t>System Schematic </a:t>
+            </a:r>
+            <a:r>
+              <a:rPr lang="en-US" sz="3000" b="1" dirty="0" err="1">
+                <a:latin typeface="Calibri" panose="020F0502020204030204" pitchFamily="34" charset="0"/>
+                <a:ea typeface="Calibri" panose="020F0502020204030204" pitchFamily="34" charset="0"/>
+                <a:cs typeface="Calibri" panose="020F0502020204030204" pitchFamily="34" charset="0"/>
+              </a:rPr>
+              <a:t>Kicad</a:t>
+            </a:r>
+            <a:r>
+              <a:rPr lang="en-US" sz="3000" b="1" dirty="0">
+                <a:latin typeface="Calibri" panose="020F0502020204030204" pitchFamily="34" charset="0"/>
+                <a:ea typeface="Calibri" panose="020F0502020204030204" pitchFamily="34" charset="0"/>
+                <a:cs typeface="Calibri" panose="020F0502020204030204" pitchFamily="34" charset="0"/>
+              </a:rPr>
+              <a:t>:</a:t>
+            </a:r>
+          </a:p>
+        </p:txBody>
+      </p:sp>
+      <p:sp>
+        <p:nvSpPr>
+          <p:cNvPr id="4" name="Slide Number Placeholder 3">
+            <a:extLst>
+              <a:ext uri="{FF2B5EF4-FFF2-40B4-BE49-F238E27FC236}">
+                <a16:creationId xmlns:a16="http://schemas.microsoft.com/office/drawing/2014/main" id="{6412B114-09A0-777A-B9FB-5A37830F3C01}"/>
+              </a:ext>
+            </a:extLst>
+          </p:cNvPr>
+          <p:cNvSpPr>
+            <a:spLocks noGrp="1"/>
+          </p:cNvSpPr>
+          <p:nvPr>
+            <p:ph type="sldNum" sz="quarter" idx="12"/>
+          </p:nvPr>
+        </p:nvSpPr>
+        <p:spPr/>
+        <p:txBody>
+          <a:bodyPr/>
+          <a:lstStyle/>
+          <a:p>
+            <a:fld id="{CC057153-B650-4DEB-B370-79DDCFDCE934}" type="slidenum">
+              <a:rPr lang="en-US" smtClean="0"/>
+              <a:t>10</a:t>
+            </a:fld>
+            <a:endParaRPr lang="en-US"/>
+          </a:p>
+        </p:txBody>
+      </p:sp>
+      <p:pic>
+        <p:nvPicPr>
+          <p:cNvPr id="8" name="Picture 7" descr="A screenshot of a computer&#10;&#10;AI-generated content may be incorrect.">
+            <a:extLst>
+              <a:ext uri="{FF2B5EF4-FFF2-40B4-BE49-F238E27FC236}">
+                <a16:creationId xmlns:a16="http://schemas.microsoft.com/office/drawing/2014/main" id="{CAB35F87-5CEE-8F09-0470-821F3C22AFA9}"/>
+              </a:ext>
+            </a:extLst>
+          </p:cNvPr>
+          <p:cNvPicPr>
+            <a:picLocks noChangeAspect="1"/>
+          </p:cNvPicPr>
+          <p:nvPr/>
+        </p:nvPicPr>
+        <p:blipFill>
+          <a:blip r:embed="rId3">
+            <a:extLst>
+              <a:ext uri="{28A0092B-C50C-407E-A947-70E740481C1C}">
+                <a14:useLocalDpi xmlns:a14="http://schemas.microsoft.com/office/drawing/2010/main" val="0"/>
+              </a:ext>
+            </a:extLst>
+          </a:blip>
+          <a:stretch>
+            <a:fillRect/>
+          </a:stretch>
+        </p:blipFill>
+        <p:spPr>
+          <a:xfrm>
+            <a:off x="349586" y="733681"/>
+            <a:ext cx="8165764" cy="5622672"/>
+          </a:xfrm>
+          <a:prstGeom prst="rect">
+            <a:avLst/>
+          </a:prstGeom>
+        </p:spPr>
+      </p:pic>
+    </p:spTree>
+    <p:extLst>
+      <p:ext uri="{BB962C8B-B14F-4D97-AF65-F5344CB8AC3E}">
+        <p14:creationId xmlns:p14="http://schemas.microsoft.com/office/powerpoint/2010/main" val="180923433"/>
+      </p:ext>
+    </p:extLst>
+  </p:cSld>
+  <p:clrMapOvr>
+    <a:masterClrMapping/>
+  </p:clrMapOvr>
+</p:sld>
+</file>
+
+<file path=ppt/slides/slide11.xml><?xml version="1.0" encoding="utf-8"?>
+<p:sld xmlns:a="http://schemas.openxmlformats.org/drawingml/2006/main" xmlns:r="http://schemas.openxmlformats.org/officeDocument/2006/relationships" xmlns:p="http://schemas.openxmlformats.org/presentationml/2006/main">
+  <p:cSld>
     <p:spTree>
       <p:nvGrpSpPr>
         <p:cNvPr id="1" name=""/>
@@ -5483,7 +5642,7 @@
           <a:p>
             <a:fld id="{CC057153-B650-4DEB-B370-79DDCFDCE934}" type="slidenum">
               <a:rPr lang="en-US" smtClean="0"/>
-              <a:t>10</a:t>
+              <a:t>11</a:t>
             </a:fld>
             <a:endParaRPr lang="en-US"/>
           </a:p>
@@ -5502,7 +5661,7 @@
 </p:sld>
 </file>
 
-<file path=ppt/slides/slide11.xml><?xml version="1.0" encoding="utf-8"?>
+<file path=ppt/slides/slide12.xml><?xml version="1.0" encoding="utf-8"?>
 <p:sld xmlns:a="http://schemas.openxmlformats.org/drawingml/2006/main" xmlns:r="http://schemas.openxmlformats.org/officeDocument/2006/relationships" xmlns:p="http://schemas.openxmlformats.org/presentationml/2006/main">
   <p:cSld>
     <p:spTree>
@@ -5542,7 +5701,7 @@
           <a:p>
             <a:fld id="{CC057153-B650-4DEB-B370-79DDCFDCE934}" type="slidenum">
               <a:rPr lang="en-US" smtClean="0"/>
-              <a:t>11</a:t>
+              <a:t>12</a:t>
             </a:fld>
             <a:endParaRPr lang="en-US"/>
           </a:p>
@@ -9017,14 +9176,6 @@
 <file path=ppt/slides/slide9.xml><?xml version="1.0" encoding="utf-8"?>
 <p:sld xmlns:a="http://schemas.openxmlformats.org/drawingml/2006/main" xmlns:r="http://schemas.openxmlformats.org/officeDocument/2006/relationships" xmlns:p="http://schemas.openxmlformats.org/presentationml/2006/main">
   <p:cSld>
-    <p:bg>
-      <p:bgPr>
-        <a:solidFill>
-          <a:schemeClr val="bg1"/>
-        </a:solidFill>
-        <a:effectLst/>
-      </p:bgPr>
-    </p:bg>
     <p:spTree>
       <p:nvGrpSpPr>
         <p:cNvPr id="1" name=""/>
@@ -9039,67 +9190,47 @@
           <a:chExt cx="0" cy="0"/>
         </a:xfrm>
       </p:grpSpPr>
-      <p:sp>
-        <p:nvSpPr>
-          <p:cNvPr id="2" name="Title 1">
+      <p:pic>
+        <p:nvPicPr>
+          <p:cNvPr id="6" name="Content Placeholder 5" descr="A computer circuit board with many wires&#10;&#10;AI-generated content may be incorrect.">
             <a:extLst>
               <a:ext uri="{FF2B5EF4-FFF2-40B4-BE49-F238E27FC236}">
-                <a16:creationId xmlns:a16="http://schemas.microsoft.com/office/drawing/2014/main" id="{BE44D49C-5109-B629-B00E-D9A87E6FC9A5}"/>
+                <a16:creationId xmlns:a16="http://schemas.microsoft.com/office/drawing/2014/main" id="{40D7257C-DE06-7DED-888A-5591E153245A}"/>
               </a:ext>
             </a:extLst>
           </p:cNvPr>
-          <p:cNvSpPr>
-            <a:spLocks noGrp="1"/>
-          </p:cNvSpPr>
-          <p:nvPr>
-            <p:ph type="title"/>
-          </p:nvPr>
-        </p:nvSpPr>
+          <p:cNvPicPr>
+            <a:picLocks noGrp="1" noChangeAspect="1"/>
+          </p:cNvPicPr>
+          <p:nvPr>
+            <p:ph idx="1"/>
+          </p:nvPr>
+        </p:nvPicPr>
+        <p:blipFill>
+          <a:blip r:embed="rId2">
+            <a:extLst>
+              <a:ext uri="{28A0092B-C50C-407E-A947-70E740481C1C}">
+                <a14:useLocalDpi xmlns:a14="http://schemas.microsoft.com/office/drawing/2010/main" val="0"/>
+              </a:ext>
+            </a:extLst>
+          </a:blip>
+          <a:stretch>
+            <a:fillRect/>
+          </a:stretch>
+        </p:blipFill>
         <p:spPr>
-          <a:xfrm>
-            <a:off x="0" y="127101"/>
-            <a:ext cx="4526280" cy="518799"/>
+          <a:xfrm rot="5400000">
+            <a:off x="-173615" y="1540437"/>
+            <a:ext cx="5272905" cy="4218324"/>
           </a:xfrm>
         </p:spPr>
-        <p:txBody>
-          <a:bodyPr anchor="b">
-            <a:normAutofit/>
-          </a:bodyPr>
-          <a:lstStyle/>
-          <a:p>
-            <a:r>
-              <a:rPr lang="en-US" sz="3000" b="1" dirty="0">
-                <a:latin typeface="Calibri" panose="020F0502020204030204" pitchFamily="34" charset="0"/>
-                <a:ea typeface="Calibri" panose="020F0502020204030204" pitchFamily="34" charset="0"/>
-                <a:cs typeface="Calibri" panose="020F0502020204030204" pitchFamily="34" charset="0"/>
-              </a:rPr>
-              <a:t>System Schematic </a:t>
-            </a:r>
-            <a:r>
-              <a:rPr lang="en-US" sz="3000" b="1" dirty="0" err="1">
-                <a:latin typeface="Calibri" panose="020F0502020204030204" pitchFamily="34" charset="0"/>
-                <a:ea typeface="Calibri" panose="020F0502020204030204" pitchFamily="34" charset="0"/>
-                <a:cs typeface="Calibri" panose="020F0502020204030204" pitchFamily="34" charset="0"/>
-              </a:rPr>
-              <a:t>Kicad</a:t>
-            </a:r>
-            <a:r>
-              <a:rPr lang="en-US" sz="3000" b="1" dirty="0">
-                <a:latin typeface="Calibri" panose="020F0502020204030204" pitchFamily="34" charset="0"/>
-                <a:ea typeface="Calibri" panose="020F0502020204030204" pitchFamily="34" charset="0"/>
-                <a:cs typeface="Calibri" panose="020F0502020204030204" pitchFamily="34" charset="0"/>
-              </a:rPr>
-              <a:t>:</a:t>
-            </a:r>
-          </a:p>
-        </p:txBody>
-      </p:sp>
+      </p:pic>
       <p:sp>
         <p:nvSpPr>
           <p:cNvPr id="4" name="Slide Number Placeholder 3">
             <a:extLst>
               <a:ext uri="{FF2B5EF4-FFF2-40B4-BE49-F238E27FC236}">
-                <a16:creationId xmlns:a16="http://schemas.microsoft.com/office/drawing/2014/main" id="{6412B114-09A0-777A-B9FB-5A37830F3C01}"/>
+                <a16:creationId xmlns:a16="http://schemas.microsoft.com/office/drawing/2014/main" id="{D12E4A5E-AB4F-4441-2590-07FD9D666FE0}"/>
               </a:ext>
             </a:extLst>
           </p:cNvPr>
@@ -9125,10 +9256,10 @@
       </p:sp>
       <p:pic>
         <p:nvPicPr>
-          <p:cNvPr id="8" name="Picture 7" descr="A screenshot of a computer&#10;&#10;AI-generated content may be incorrect.">
+          <p:cNvPr id="8" name="Picture 7" descr="A close up of a circuit board&#10;&#10;AI-generated content may be incorrect.">
             <a:extLst>
               <a:ext uri="{FF2B5EF4-FFF2-40B4-BE49-F238E27FC236}">
-                <a16:creationId xmlns:a16="http://schemas.microsoft.com/office/drawing/2014/main" id="{CAB35F87-5CEE-8F09-0470-821F3C22AFA9}"/>
+                <a16:creationId xmlns:a16="http://schemas.microsoft.com/office/drawing/2014/main" id="{A9A1E160-3F49-28B4-5E92-B2541A7968D6}"/>
               </a:ext>
             </a:extLst>
           </p:cNvPr>
@@ -9150,19 +9281,77 @@
           </a:stretch>
         </p:blipFill>
         <p:spPr>
-          <a:xfrm>
-            <a:off x="349586" y="733681"/>
-            <a:ext cx="8165764" cy="5622672"/>
+          <a:xfrm rot="5400000">
+            <a:off x="4184055" y="1547002"/>
+            <a:ext cx="5286034" cy="4218325"/>
           </a:xfrm>
           <a:prstGeom prst="rect">
             <a:avLst/>
           </a:prstGeom>
         </p:spPr>
       </p:pic>
+      <p:sp>
+        <p:nvSpPr>
+          <p:cNvPr id="11" name="Title 1">
+            <a:extLst>
+              <a:ext uri="{FF2B5EF4-FFF2-40B4-BE49-F238E27FC236}">
+                <a16:creationId xmlns:a16="http://schemas.microsoft.com/office/drawing/2014/main" id="{CBA94ABC-0418-4B5C-FF2F-B936306CBEE5}"/>
+              </a:ext>
+            </a:extLst>
+          </p:cNvPr>
+          <p:cNvSpPr txBox="1">
+            <a:spLocks/>
+          </p:cNvSpPr>
+          <p:nvPr/>
+        </p:nvSpPr>
+        <p:spPr>
+          <a:xfrm>
+            <a:off x="0" y="136522"/>
+            <a:ext cx="7990184" cy="376679"/>
+          </a:xfrm>
+          <a:prstGeom prst="rect">
+            <a:avLst/>
+          </a:prstGeom>
+        </p:spPr>
+        <p:txBody>
+          <a:bodyPr vert="horz" lIns="91440" tIns="45720" rIns="91440" bIns="45720" rtlCol="0" anchor="ctr">
+            <a:noAutofit/>
+          </a:bodyPr>
+          <a:lstStyle>
+            <a:lvl1pPr algn="l" defTabSz="914400" rtl="0" eaLnBrk="1" latinLnBrk="0" hangingPunct="1">
+              <a:lnSpc>
+                <a:spcPct val="90000"/>
+              </a:lnSpc>
+              <a:spcBef>
+                <a:spcPct val="0"/>
+              </a:spcBef>
+              <a:buNone/>
+              <a:defRPr sz="4400" kern="1200">
+                <a:solidFill>
+                  <a:schemeClr val="tx1"/>
+                </a:solidFill>
+                <a:latin typeface="+mj-lt"/>
+                <a:ea typeface="+mj-ea"/>
+                <a:cs typeface="+mj-cs"/>
+              </a:defRPr>
+            </a:lvl1pPr>
+          </a:lstStyle>
+          <a:p>
+            <a:r>
+              <a:rPr lang="en-US" sz="3200" b="1" dirty="0">
+                <a:latin typeface="Calibri" panose="020F0502020204030204" pitchFamily="34" charset="0"/>
+                <a:ea typeface="Calibri" panose="020F0502020204030204" pitchFamily="34" charset="0"/>
+                <a:cs typeface="Calibri" panose="020F0502020204030204" pitchFamily="34" charset="0"/>
+              </a:rPr>
+              <a:t>DESIGN:</a:t>
+            </a:r>
+          </a:p>
+        </p:txBody>
+      </p:sp>
     </p:spTree>
     <p:extLst>
       <p:ext uri="{BB962C8B-B14F-4D97-AF65-F5344CB8AC3E}">
-        <p14:creationId xmlns:p14="http://schemas.microsoft.com/office/powerpoint/2010/main" val="180923433"/>
+        <p14:creationId xmlns:p14="http://schemas.microsoft.com/office/powerpoint/2010/main" val="2252740567"/>
       </p:ext>
     </p:extLst>
   </p:cSld>

--- a/final_project/weather_baloon/Presentation/Weather Baloon.pptx
+++ b/final_project/weather_baloon/Presentation/Weather Baloon.pptx
@@ -9338,12 +9338,20 @@
           </a:lstStyle>
           <a:p>
             <a:r>
+              <a:rPr lang="en-US" sz="3200" b="1">
+                <a:latin typeface="Calibri" panose="020F0502020204030204" pitchFamily="34" charset="0"/>
+                <a:ea typeface="Calibri" panose="020F0502020204030204" pitchFamily="34" charset="0"/>
+                <a:cs typeface="Calibri" panose="020F0502020204030204" pitchFamily="34" charset="0"/>
+              </a:rPr>
+              <a:t>PCB Design</a:t>
+            </a:r>
+            <a:r>
               <a:rPr lang="en-US" sz="3200" b="1" dirty="0">
                 <a:latin typeface="Calibri" panose="020F0502020204030204" pitchFamily="34" charset="0"/>
                 <a:ea typeface="Calibri" panose="020F0502020204030204" pitchFamily="34" charset="0"/>
                 <a:cs typeface="Calibri" panose="020F0502020204030204" pitchFamily="34" charset="0"/>
               </a:rPr>
-              <a:t>DESIGN:</a:t>
+              <a:t>:</a:t>
             </a:r>
           </a:p>
         </p:txBody>
